--- a/android/sensor/nfcreader/doc/slides.pptx
+++ b/android/sensor/nfcreader/doc/slides.pptx
@@ -200,7 +200,7 @@
           <a:p>
             <a:fld id="{D199D3BA-E67E-4FF5-8F83-8CDCDD146D66}" type="datetimeFigureOut">
               <a:rPr lang="en-US" smtClean="0"/>
-              <a:t>7/30/2015</a:t>
+              <a:t>8/6/2015</a:t>
             </a:fld>
             <a:endParaRPr lang="en-US"/>
           </a:p>
@@ -3822,16 +3822,115 @@
           <a:chExt cx="0" cy="0"/>
         </a:xfrm>
       </p:grpSpPr>
+      <p:sp>
+        <p:nvSpPr>
+          <p:cNvPr id="6" name="Date Placeholder 5"/>
+          <p:cNvSpPr>
+            <a:spLocks noGrp="1"/>
+          </p:cNvSpPr>
+          <p:nvPr>
+            <p:ph type="dt" sz="half" idx="10"/>
+          </p:nvPr>
+        </p:nvSpPr>
+        <p:spPr/>
+        <p:txBody>
+          <a:bodyPr/>
+          <a:lstStyle/>
+          <a:p>
+            <a:r>
+              <a:rPr lang="en-US" smtClean="0"/>
+              <a:t>tutorial/android/sensors/nfcreader</a:t>
+            </a:r>
+            <a:endParaRPr lang="en-US"/>
+          </a:p>
+        </p:txBody>
+      </p:sp>
+      <p:sp>
+        <p:nvSpPr>
+          <p:cNvPr id="7" name="Footer Placeholder 6"/>
+          <p:cNvSpPr>
+            <a:spLocks noGrp="1"/>
+          </p:cNvSpPr>
+          <p:nvPr>
+            <p:ph type="ftr" sz="quarter" idx="11"/>
+          </p:nvPr>
+        </p:nvSpPr>
+        <p:spPr/>
+        <p:txBody>
+          <a:bodyPr/>
+          <a:lstStyle/>
+          <a:p>
+            <a:r>
+              <a:rPr lang="en-US" smtClean="0"/>
+              <a:t>/  4</a:t>
+            </a:r>
+            <a:endParaRPr lang="en-US"/>
+          </a:p>
+        </p:txBody>
+      </p:sp>
+      <p:sp>
+        <p:nvSpPr>
+          <p:cNvPr id="8" name="Slide Number Placeholder 7"/>
+          <p:cNvSpPr>
+            <a:spLocks noGrp="1"/>
+          </p:cNvSpPr>
+          <p:nvPr>
+            <p:ph type="sldNum" sz="quarter" idx="12"/>
+          </p:nvPr>
+        </p:nvSpPr>
+        <p:spPr/>
+        <p:txBody>
+          <a:bodyPr/>
+          <a:lstStyle/>
+          <a:p>
+            <a:fld id="{242F7285-864E-42E2-AA4E-6BAEC2AB6C99}" type="slidenum">
+              <a:rPr lang="en-US" smtClean="0"/>
+              <a:t>2</a:t>
+            </a:fld>
+            <a:endParaRPr lang="en-US"/>
+          </a:p>
+        </p:txBody>
+      </p:sp>
+      <p:sp>
+        <p:nvSpPr>
+          <p:cNvPr id="9" name="TextBox 8"/>
+          <p:cNvSpPr txBox="1"/>
+          <p:nvPr/>
+        </p:nvSpPr>
+        <p:spPr>
+          <a:xfrm>
+            <a:off x="6489565" y="1630781"/>
+            <a:ext cx="4598126" cy="369332"/>
+          </a:xfrm>
+          <a:prstGeom prst="rect">
+            <a:avLst/>
+          </a:prstGeom>
+          <a:noFill/>
+        </p:spPr>
+        <p:txBody>
+          <a:bodyPr wrap="square" rtlCol="0">
+            <a:spAutoFit/>
+          </a:bodyPr>
+          <a:lstStyle/>
+          <a:p>
+            <a:r>
+              <a:rPr lang="en-US" dirty="0" smtClean="0"/>
+              <a:t>Example of a NFC Tag</a:t>
+            </a:r>
+            <a:endParaRPr lang="en-US" dirty="0"/>
+          </a:p>
+        </p:txBody>
+      </p:sp>
       <p:pic>
         <p:nvPicPr>
-          <p:cNvPr id="4" name="Picture 3"/>
+          <p:cNvPr id="2" name="Picture 1"/>
           <p:cNvPicPr>
             <a:picLocks noChangeAspect="1"/>
           </p:cNvPicPr>
           <p:nvPr/>
         </p:nvPicPr>
         <p:blipFill>
-          <a:blip r:embed="rId3">
+          <a:blip r:embed="rId3" cstate="print">
             <a:extLst>
               <a:ext uri="{28A0092B-C50C-407E-A947-70E740481C1C}">
                 <a14:useLocalDpi xmlns:a14="http://schemas.microsoft.com/office/drawing/2010/main" val="0"/>
@@ -3844,38 +3943,8 @@
         </p:blipFill>
         <p:spPr>
           <a:xfrm>
-            <a:off x="6122586" y="1223225"/>
-            <a:ext cx="4581797" cy="4309654"/>
-          </a:xfrm>
-          <a:prstGeom prst="rect">
-            <a:avLst/>
-          </a:prstGeom>
-        </p:spPr>
-      </p:pic>
-      <p:pic>
-        <p:nvPicPr>
-          <p:cNvPr id="5" name="Picture 4"/>
-          <p:cNvPicPr>
-            <a:picLocks noChangeAspect="1"/>
-          </p:cNvPicPr>
-          <p:nvPr/>
-        </p:nvPicPr>
-        <p:blipFill>
-          <a:blip r:embed="rId4" cstate="print">
-            <a:extLst>
-              <a:ext uri="{28A0092B-C50C-407E-A947-70E740481C1C}">
-                <a14:useLocalDpi xmlns:a14="http://schemas.microsoft.com/office/drawing/2010/main" val="0"/>
-              </a:ext>
-            </a:extLst>
-          </a:blip>
-          <a:stretch>
-            <a:fillRect/>
-          </a:stretch>
-        </p:blipFill>
-        <p:spPr>
-          <a:xfrm>
-            <a:off x="1389152" y="1266552"/>
-            <a:ext cx="3857625" cy="4458789"/>
+            <a:off x="1634435" y="365125"/>
+            <a:ext cx="3332228" cy="5923960"/>
           </a:xfrm>
           <a:prstGeom prst="rect">
             <a:avLst/>
@@ -3896,105 +3965,36 @@
           </a:fontRef>
         </p:style>
       </p:pic>
-      <p:sp>
-        <p:nvSpPr>
-          <p:cNvPr id="6" name="Date Placeholder 5"/>
-          <p:cNvSpPr>
-            <a:spLocks noGrp="1"/>
-          </p:cNvSpPr>
-          <p:nvPr>
-            <p:ph type="dt" sz="half" idx="10"/>
-          </p:nvPr>
-        </p:nvSpPr>
-        <p:spPr/>
-        <p:txBody>
-          <a:bodyPr/>
-          <a:lstStyle/>
-          <a:p>
-            <a:r>
-              <a:rPr lang="en-US" smtClean="0"/>
-              <a:t>tutorial/android/sensors/nfcreader</a:t>
-            </a:r>
-            <a:endParaRPr lang="en-US"/>
-          </a:p>
-        </p:txBody>
-      </p:sp>
-      <p:sp>
-        <p:nvSpPr>
-          <p:cNvPr id="7" name="Footer Placeholder 6"/>
-          <p:cNvSpPr>
-            <a:spLocks noGrp="1"/>
-          </p:cNvSpPr>
-          <p:nvPr>
-            <p:ph type="ftr" sz="quarter" idx="11"/>
-          </p:nvPr>
-        </p:nvSpPr>
-        <p:spPr/>
-        <p:txBody>
-          <a:bodyPr/>
-          <a:lstStyle/>
-          <a:p>
-            <a:r>
-              <a:rPr lang="en-US" smtClean="0"/>
-              <a:t>/  4</a:t>
-            </a:r>
-            <a:endParaRPr lang="en-US"/>
-          </a:p>
-        </p:txBody>
-      </p:sp>
-      <p:sp>
-        <p:nvSpPr>
-          <p:cNvPr id="8" name="Slide Number Placeholder 7"/>
-          <p:cNvSpPr>
-            <a:spLocks noGrp="1"/>
-          </p:cNvSpPr>
-          <p:nvPr>
-            <p:ph type="sldNum" sz="quarter" idx="12"/>
-          </p:nvPr>
-        </p:nvSpPr>
-        <p:spPr/>
-        <p:txBody>
-          <a:bodyPr/>
-          <a:lstStyle/>
-          <a:p>
-            <a:fld id="{242F7285-864E-42E2-AA4E-6BAEC2AB6C99}" type="slidenum">
-              <a:rPr lang="en-US" smtClean="0"/>
-              <a:t>2</a:t>
-            </a:fld>
-            <a:endParaRPr lang="en-US"/>
-          </a:p>
-        </p:txBody>
-      </p:sp>
-      <p:sp>
-        <p:nvSpPr>
-          <p:cNvPr id="9" name="TextBox 8"/>
-          <p:cNvSpPr txBox="1"/>
+      <p:pic>
+        <p:nvPicPr>
+          <p:cNvPr id="3" name="Picture 2"/>
+          <p:cNvPicPr>
+            <a:picLocks noChangeAspect="1"/>
+          </p:cNvPicPr>
           <p:nvPr/>
-        </p:nvSpPr>
+        </p:nvPicPr>
+        <p:blipFill>
+          <a:blip r:embed="rId4">
+            <a:extLst>
+              <a:ext uri="{28A0092B-C50C-407E-A947-70E740481C1C}">
+                <a14:useLocalDpi xmlns:a14="http://schemas.microsoft.com/office/drawing/2010/main" val="0"/>
+              </a:ext>
+            </a:extLst>
+          </a:blip>
+          <a:stretch>
+            <a:fillRect/>
+          </a:stretch>
+        </p:blipFill>
         <p:spPr>
           <a:xfrm>
-            <a:off x="7312993" y="853893"/>
-            <a:ext cx="4598126" cy="369332"/>
+            <a:off x="5612410" y="2000113"/>
+            <a:ext cx="4288972" cy="4288972"/>
           </a:xfrm>
           <a:prstGeom prst="rect">
             <a:avLst/>
           </a:prstGeom>
-          <a:noFill/>
         </p:spPr>
-        <p:txBody>
-          <a:bodyPr wrap="square" rtlCol="0">
-            <a:spAutoFit/>
-          </a:bodyPr>
-          <a:lstStyle/>
-          <a:p>
-            <a:r>
-              <a:rPr lang="en-US" dirty="0" smtClean="0"/>
-              <a:t>Example of a NFC Tag</a:t>
-            </a:r>
-            <a:endParaRPr lang="en-US" dirty="0"/>
-          </a:p>
-        </p:txBody>
-      </p:sp>
+      </p:pic>
     </p:spTree>
     <p:extLst>
       <p:ext uri="{BB962C8B-B14F-4D97-AF65-F5344CB8AC3E}">
